--- a/Project.pptx
+++ b/Project.pptx
@@ -8,6 +8,7 @@
     <p:sldId id="256" r:id="rId2"/>
     <p:sldId id="257" r:id="rId3"/>
     <p:sldId id="258" r:id="rId4"/>
+    <p:sldId id="259" r:id="rId5"/>
   </p:sldIdLst>
   <p:sldSz cx="12192000" cy="6858000"/>
   <p:notesSz cx="6858000" cy="9144000"/>
@@ -106,6 +107,11 @@
       </a:defRPr>
     </a:lvl9pPr>
   </p:defaultTextStyle>
+  <p:extLst>
+    <p:ext uri="{EFAFB233-063F-42B5-8137-9DF3F51BA10A}">
+      <p15:sldGuideLst xmlns:p15="http://schemas.microsoft.com/office/powerpoint/2012/main"/>
+    </p:ext>
+  </p:extLst>
 </p:presentation>
 </file>
 
@@ -3346,105 +3352,800 @@
       </p:grpSpPr>
       <p:sp>
         <p:nvSpPr>
-          <p:cNvPr id="2" name="Title 1">
-            <a:extLst>
-              <a:ext uri="{FF2B5EF4-FFF2-40B4-BE49-F238E27FC236}">
-                <a16:creationId xmlns:a16="http://schemas.microsoft.com/office/drawing/2014/main" id="{79581F90-D1CC-4CF5-9EDA-C7D48528BFC2}"/>
-              </a:ext>
-            </a:extLst>
-          </p:cNvPr>
-          <p:cNvSpPr>
-            <a:spLocks noGrp="1"/>
-          </p:cNvSpPr>
-          <p:nvPr>
-            <p:ph type="ctrTitle"/>
-          </p:nvPr>
-        </p:nvSpPr>
-        <p:spPr/>
-        <p:txBody>
-          <a:bodyPr/>
-          <a:lstStyle/>
-          <a:p>
-            <a:r>
-              <a:rPr lang="en-US" dirty="0"/>
+          <p:cNvPr id="4" name="מלבן 3">
+            <a:extLst>
+              <a:ext uri="{FF2B5EF4-FFF2-40B4-BE49-F238E27FC236}">
+                <a16:creationId xmlns:a16="http://schemas.microsoft.com/office/drawing/2014/main" id="{36D87D5B-FCBA-48CB-BC51-804F363DA87E}"/>
+              </a:ext>
+            </a:extLst>
+          </p:cNvPr>
+          <p:cNvSpPr/>
+          <p:nvPr/>
+        </p:nvSpPr>
+        <p:spPr>
+          <a:xfrm>
+            <a:off x="4500979" y="660698"/>
+            <a:ext cx="2769833" cy="1107996"/>
+          </a:xfrm>
+          <a:prstGeom prst="rect">
+            <a:avLst/>
+          </a:prstGeom>
+          <a:noFill/>
+        </p:spPr>
+        <p:txBody>
+          <a:bodyPr wrap="square" lIns="91440" tIns="45720" rIns="91440" bIns="45720">
+            <a:spAutoFit/>
+          </a:bodyPr>
+          <a:lstStyle/>
+          <a:p>
+            <a:pPr algn="ctr"/>
+            <a:r>
+              <a:rPr lang="en-US" sz="6600" b="1" cap="none" spc="0" dirty="0">
+                <a:ln w="22225">
+                  <a:solidFill>
+                    <a:schemeClr val="accent2"/>
+                  </a:solidFill>
+                  <a:prstDash val="solid"/>
+                </a:ln>
+                <a:solidFill>
+                  <a:schemeClr val="accent2">
+                    <a:lumMod val="40000"/>
+                    <a:lumOff val="60000"/>
+                  </a:schemeClr>
+                </a:solidFill>
+                <a:effectLst/>
+              </a:rPr>
               <a:t>NEDD</a:t>
             </a:r>
-            <a:endParaRPr lang="he-IL" dirty="0"/>
-          </a:p>
-        </p:txBody>
-      </p:sp>
-      <p:sp>
-        <p:nvSpPr>
-          <p:cNvPr id="3" name="Subtitle 2">
-            <a:extLst>
-              <a:ext uri="{FF2B5EF4-FFF2-40B4-BE49-F238E27FC236}">
-                <a16:creationId xmlns:a16="http://schemas.microsoft.com/office/drawing/2014/main" id="{5F512682-8222-4352-A52A-7DE07C48DB6B}"/>
-              </a:ext>
-            </a:extLst>
-          </p:cNvPr>
-          <p:cNvSpPr>
-            <a:spLocks noGrp="1"/>
-          </p:cNvSpPr>
-          <p:nvPr>
-            <p:ph type="subTitle" idx="1"/>
-          </p:nvPr>
-        </p:nvSpPr>
-        <p:spPr/>
-        <p:txBody>
-          <a:bodyPr>
-            <a:normAutofit lnSpcReduction="10000"/>
-          </a:bodyPr>
-          <a:lstStyle/>
-          <a:p>
-            <a:r>
-              <a:rPr lang="en-US" dirty="0"/>
-              <a:t>Nicolas </a:t>
-            </a:r>
-            <a:r>
-              <a:rPr lang="en-US" dirty="0" err="1"/>
-              <a:t>Roizman</a:t>
-            </a:r>
-            <a:endParaRPr lang="en-US" dirty="0"/>
-          </a:p>
-          <a:p>
-            <a:r>
-              <a:rPr lang="en-US" dirty="0" err="1"/>
-              <a:t>Elad</a:t>
-            </a:r>
-            <a:r>
-              <a:rPr lang="en-US" dirty="0"/>
-              <a:t> </a:t>
-            </a:r>
-            <a:r>
-              <a:rPr lang="en-US" dirty="0" err="1"/>
-              <a:t>Toorgeman</a:t>
-            </a:r>
-            <a:endParaRPr lang="en-US" dirty="0"/>
-          </a:p>
-          <a:p>
-            <a:r>
-              <a:rPr lang="en-US" dirty="0"/>
-              <a:t>Dani </a:t>
-            </a:r>
-            <a:r>
-              <a:rPr lang="en-US" dirty="0" err="1"/>
-              <a:t>Rabinovich</a:t>
-            </a:r>
-            <a:endParaRPr lang="en-US" dirty="0"/>
-          </a:p>
-          <a:p>
-            <a:r>
-              <a:rPr lang="en-US" dirty="0"/>
-              <a:t>Denis </a:t>
-            </a:r>
-            <a:r>
-              <a:rPr lang="en-US" dirty="0" err="1"/>
-              <a:t>Dombrovski</a:t>
-            </a:r>
-            <a:endParaRPr lang="he-IL" dirty="0"/>
-          </a:p>
-        </p:txBody>
-      </p:sp>
+            <a:endParaRPr lang="he-IL" sz="6600" b="1" cap="none" spc="0" dirty="0">
+              <a:ln w="22225">
+                <a:solidFill>
+                  <a:schemeClr val="accent2"/>
+                </a:solidFill>
+                <a:prstDash val="solid"/>
+              </a:ln>
+              <a:solidFill>
+                <a:schemeClr val="accent2">
+                  <a:lumMod val="40000"/>
+                  <a:lumOff val="60000"/>
+                </a:schemeClr>
+              </a:solidFill>
+              <a:effectLst/>
+            </a:endParaRPr>
+          </a:p>
+        </p:txBody>
+      </p:sp>
+      <p:graphicFrame>
+        <p:nvGraphicFramePr>
+          <p:cNvPr id="8" name="טבלה 7">
+            <a:extLst>
+              <a:ext uri="{FF2B5EF4-FFF2-40B4-BE49-F238E27FC236}">
+                <a16:creationId xmlns:a16="http://schemas.microsoft.com/office/drawing/2014/main" id="{9713C661-F7D1-46E0-8787-5F228B51C2C6}"/>
+              </a:ext>
+            </a:extLst>
+          </p:cNvPr>
+          <p:cNvGraphicFramePr>
+            <a:graphicFrameLocks noGrp="1"/>
+          </p:cNvGraphicFramePr>
+          <p:nvPr>
+            <p:extLst>
+              <p:ext uri="{D42A27DB-BD31-4B8C-83A1-F6EECF244321}">
+                <p14:modId xmlns:p14="http://schemas.microsoft.com/office/powerpoint/2010/main" val="1392848636"/>
+              </p:ext>
+            </p:extLst>
+          </p:nvPr>
+        </p:nvGraphicFramePr>
+        <p:xfrm>
+          <a:off x="266009" y="4333643"/>
+          <a:ext cx="9759521" cy="2123440"/>
+        </p:xfrm>
+        <a:graphic>
+          <a:graphicData uri="http://schemas.openxmlformats.org/drawingml/2006/table">
+            <a:tbl>
+              <a:tblPr rtl="1" firstRow="1" bandRow="1">
+                <a:tableStyleId>{5A111915-BE36-4E01-A7E5-04B1672EAD32}</a:tableStyleId>
+              </a:tblPr>
+              <a:tblGrid>
+                <a:gridCol w="975952">
+                  <a:extLst>
+                    <a:ext uri="{9D8B030D-6E8A-4147-A177-3AD203B41FA5}">
+                      <a16:colId xmlns:a16="http://schemas.microsoft.com/office/drawing/2014/main" val="1073255888"/>
+                    </a:ext>
+                  </a:extLst>
+                </a:gridCol>
+                <a:gridCol w="975952">
+                  <a:extLst>
+                    <a:ext uri="{9D8B030D-6E8A-4147-A177-3AD203B41FA5}">
+                      <a16:colId xmlns:a16="http://schemas.microsoft.com/office/drawing/2014/main" val="4236861199"/>
+                    </a:ext>
+                  </a:extLst>
+                </a:gridCol>
+                <a:gridCol w="975952">
+                  <a:extLst>
+                    <a:ext uri="{9D8B030D-6E8A-4147-A177-3AD203B41FA5}">
+                      <a16:colId xmlns:a16="http://schemas.microsoft.com/office/drawing/2014/main" val="811636827"/>
+                    </a:ext>
+                  </a:extLst>
+                </a:gridCol>
+                <a:gridCol w="975952">
+                  <a:extLst>
+                    <a:ext uri="{9D8B030D-6E8A-4147-A177-3AD203B41FA5}">
+                      <a16:colId xmlns:a16="http://schemas.microsoft.com/office/drawing/2014/main" val="4050964627"/>
+                    </a:ext>
+                  </a:extLst>
+                </a:gridCol>
+                <a:gridCol w="975952">
+                  <a:extLst>
+                    <a:ext uri="{9D8B030D-6E8A-4147-A177-3AD203B41FA5}">
+                      <a16:colId xmlns:a16="http://schemas.microsoft.com/office/drawing/2014/main" val="1098894725"/>
+                    </a:ext>
+                  </a:extLst>
+                </a:gridCol>
+                <a:gridCol w="818214">
+                  <a:extLst>
+                    <a:ext uri="{9D8B030D-6E8A-4147-A177-3AD203B41FA5}">
+                      <a16:colId xmlns:a16="http://schemas.microsoft.com/office/drawing/2014/main" val="3337310467"/>
+                    </a:ext>
+                  </a:extLst>
+                </a:gridCol>
+                <a:gridCol w="697116">
+                  <a:extLst>
+                    <a:ext uri="{9D8B030D-6E8A-4147-A177-3AD203B41FA5}">
+                      <a16:colId xmlns:a16="http://schemas.microsoft.com/office/drawing/2014/main" val="607029358"/>
+                    </a:ext>
+                  </a:extLst>
+                </a:gridCol>
+                <a:gridCol w="986784">
+                  <a:extLst>
+                    <a:ext uri="{9D8B030D-6E8A-4147-A177-3AD203B41FA5}">
+                      <a16:colId xmlns:a16="http://schemas.microsoft.com/office/drawing/2014/main" val="4192807163"/>
+                    </a:ext>
+                  </a:extLst>
+                </a:gridCol>
+                <a:gridCol w="1401695">
+                  <a:extLst>
+                    <a:ext uri="{9D8B030D-6E8A-4147-A177-3AD203B41FA5}">
+                      <a16:colId xmlns:a16="http://schemas.microsoft.com/office/drawing/2014/main" val="1003050243"/>
+                    </a:ext>
+                  </a:extLst>
+                </a:gridCol>
+                <a:gridCol w="975952">
+                  <a:extLst>
+                    <a:ext uri="{9D8B030D-6E8A-4147-A177-3AD203B41FA5}">
+                      <a16:colId xmlns:a16="http://schemas.microsoft.com/office/drawing/2014/main" val="937596838"/>
+                    </a:ext>
+                  </a:extLst>
+                </a:gridCol>
+              </a:tblGrid>
+              <a:tr h="370840">
+                <a:tc>
+                  <a:txBody>
+                    <a:bodyPr/>
+                    <a:lstStyle/>
+                    <a:p>
+                      <a:pPr rtl="1"/>
+                      <a:endParaRPr lang="he-IL" dirty="0"/>
+                    </a:p>
+                  </a:txBody>
+                  <a:tcPr/>
+                </a:tc>
+                <a:tc>
+                  <a:txBody>
+                    <a:bodyPr/>
+                    <a:lstStyle/>
+                    <a:p>
+                      <a:pPr rtl="1"/>
+                      <a:endParaRPr lang="he-IL"/>
+                    </a:p>
+                  </a:txBody>
+                  <a:tcPr/>
+                </a:tc>
+                <a:tc>
+                  <a:txBody>
+                    <a:bodyPr/>
+                    <a:lstStyle/>
+                    <a:p>
+                      <a:pPr rtl="1"/>
+                      <a:endParaRPr lang="he-IL"/>
+                    </a:p>
+                  </a:txBody>
+                  <a:tcPr/>
+                </a:tc>
+                <a:tc>
+                  <a:txBody>
+                    <a:bodyPr/>
+                    <a:lstStyle/>
+                    <a:p>
+                      <a:pPr rtl="1"/>
+                      <a:endParaRPr lang="he-IL"/>
+                    </a:p>
+                  </a:txBody>
+                  <a:tcPr/>
+                </a:tc>
+                <a:tc>
+                  <a:txBody>
+                    <a:bodyPr/>
+                    <a:lstStyle/>
+                    <a:p>
+                      <a:pPr rtl="1"/>
+                      <a:endParaRPr lang="he-IL"/>
+                    </a:p>
+                  </a:txBody>
+                  <a:tcPr/>
+                </a:tc>
+                <a:tc>
+                  <a:txBody>
+                    <a:bodyPr/>
+                    <a:lstStyle/>
+                    <a:p>
+                      <a:pPr rtl="1"/>
+                      <a:endParaRPr lang="he-IL"/>
+                    </a:p>
+                  </a:txBody>
+                  <a:tcPr/>
+                </a:tc>
+                <a:tc>
+                  <a:txBody>
+                    <a:bodyPr/>
+                    <a:lstStyle/>
+                    <a:p>
+                      <a:pPr rtl="1"/>
+                      <a:endParaRPr lang="he-IL" dirty="0"/>
+                    </a:p>
+                  </a:txBody>
+                  <a:tcPr/>
+                </a:tc>
+                <a:tc>
+                  <a:txBody>
+                    <a:bodyPr/>
+                    <a:lstStyle/>
+                    <a:p>
+                      <a:pPr rtl="1"/>
+                      <a:endParaRPr lang="he-IL" dirty="0"/>
+                    </a:p>
+                  </a:txBody>
+                  <a:tcPr/>
+                </a:tc>
+                <a:tc>
+                  <a:txBody>
+                    <a:bodyPr/>
+                    <a:lstStyle/>
+                    <a:p>
+                      <a:pPr rtl="1"/>
+                      <a:r>
+                        <a:rPr lang="en-US" dirty="0"/>
+                        <a:t>Last name</a:t>
+                      </a:r>
+                      <a:endParaRPr lang="he-IL" dirty="0"/>
+                    </a:p>
+                  </a:txBody>
+                  <a:tcPr/>
+                </a:tc>
+                <a:tc>
+                  <a:txBody>
+                    <a:bodyPr/>
+                    <a:lstStyle/>
+                    <a:p>
+                      <a:pPr rtl="1"/>
+                      <a:r>
+                        <a:rPr lang="en-US" dirty="0"/>
+                        <a:t>First name</a:t>
+                      </a:r>
+                      <a:endParaRPr lang="he-IL" dirty="0"/>
+                    </a:p>
+                  </a:txBody>
+                  <a:tcPr/>
+                </a:tc>
+                <a:extLst>
+                  <a:ext uri="{0D108BD9-81ED-4DB2-BD59-A6C34878D82A}">
+                    <a16:rowId xmlns:a16="http://schemas.microsoft.com/office/drawing/2014/main" val="2806057986"/>
+                  </a:ext>
+                </a:extLst>
+              </a:tr>
+              <a:tr h="370840">
+                <a:tc>
+                  <a:txBody>
+                    <a:bodyPr/>
+                    <a:lstStyle/>
+                    <a:p>
+                      <a:pPr rtl="1"/>
+                      <a:endParaRPr lang="he-IL"/>
+                    </a:p>
+                  </a:txBody>
+                  <a:tcPr/>
+                </a:tc>
+                <a:tc>
+                  <a:txBody>
+                    <a:bodyPr/>
+                    <a:lstStyle/>
+                    <a:p>
+                      <a:pPr rtl="1"/>
+                      <a:endParaRPr lang="he-IL"/>
+                    </a:p>
+                  </a:txBody>
+                  <a:tcPr/>
+                </a:tc>
+                <a:tc>
+                  <a:txBody>
+                    <a:bodyPr/>
+                    <a:lstStyle/>
+                    <a:p>
+                      <a:pPr rtl="1"/>
+                      <a:endParaRPr lang="he-IL"/>
+                    </a:p>
+                  </a:txBody>
+                  <a:tcPr/>
+                </a:tc>
+                <a:tc>
+                  <a:txBody>
+                    <a:bodyPr/>
+                    <a:lstStyle/>
+                    <a:p>
+                      <a:pPr rtl="1"/>
+                      <a:endParaRPr lang="he-IL"/>
+                    </a:p>
+                  </a:txBody>
+                  <a:tcPr/>
+                </a:tc>
+                <a:tc>
+                  <a:txBody>
+                    <a:bodyPr/>
+                    <a:lstStyle/>
+                    <a:p>
+                      <a:pPr rtl="1"/>
+                      <a:endParaRPr lang="he-IL"/>
+                    </a:p>
+                  </a:txBody>
+                  <a:tcPr/>
+                </a:tc>
+                <a:tc>
+                  <a:txBody>
+                    <a:bodyPr/>
+                    <a:lstStyle/>
+                    <a:p>
+                      <a:pPr rtl="1"/>
+                      <a:endParaRPr lang="he-IL"/>
+                    </a:p>
+                  </a:txBody>
+                  <a:tcPr/>
+                </a:tc>
+                <a:tc>
+                  <a:txBody>
+                    <a:bodyPr/>
+                    <a:lstStyle/>
+                    <a:p>
+                      <a:pPr rtl="1"/>
+                      <a:endParaRPr lang="he-IL"/>
+                    </a:p>
+                  </a:txBody>
+                  <a:tcPr/>
+                </a:tc>
+                <a:tc>
+                  <a:txBody>
+                    <a:bodyPr/>
+                    <a:lstStyle/>
+                    <a:p>
+                      <a:pPr rtl="1"/>
+                      <a:endParaRPr lang="he-IL"/>
+                    </a:p>
+                  </a:txBody>
+                  <a:tcPr/>
+                </a:tc>
+                <a:tc>
+                  <a:txBody>
+                    <a:bodyPr/>
+                    <a:lstStyle/>
+                    <a:p>
+                      <a:pPr rtl="1"/>
+                      <a:r>
+                        <a:rPr lang="en-US" dirty="0" err="1"/>
+                        <a:t>Roizman</a:t>
+                      </a:r>
+                      <a:endParaRPr lang="he-IL" dirty="0"/>
+                    </a:p>
+                  </a:txBody>
+                  <a:tcPr/>
+                </a:tc>
+                <a:tc>
+                  <a:txBody>
+                    <a:bodyPr/>
+                    <a:lstStyle/>
+                    <a:p>
+                      <a:pPr rtl="1"/>
+                      <a:r>
+                        <a:rPr lang="en-US" dirty="0"/>
+                        <a:t>Nicolas</a:t>
+                      </a:r>
+                      <a:endParaRPr lang="he-IL" dirty="0"/>
+                    </a:p>
+                  </a:txBody>
+                  <a:tcPr/>
+                </a:tc>
+                <a:extLst>
+                  <a:ext uri="{0D108BD9-81ED-4DB2-BD59-A6C34878D82A}">
+                    <a16:rowId xmlns:a16="http://schemas.microsoft.com/office/drawing/2014/main" val="2786383084"/>
+                  </a:ext>
+                </a:extLst>
+              </a:tr>
+              <a:tr h="370840">
+                <a:tc>
+                  <a:txBody>
+                    <a:bodyPr/>
+                    <a:lstStyle/>
+                    <a:p>
+                      <a:pPr rtl="1"/>
+                      <a:endParaRPr lang="he-IL"/>
+                    </a:p>
+                  </a:txBody>
+                  <a:tcPr/>
+                </a:tc>
+                <a:tc>
+                  <a:txBody>
+                    <a:bodyPr/>
+                    <a:lstStyle/>
+                    <a:p>
+                      <a:pPr rtl="1"/>
+                      <a:endParaRPr lang="he-IL"/>
+                    </a:p>
+                  </a:txBody>
+                  <a:tcPr/>
+                </a:tc>
+                <a:tc>
+                  <a:txBody>
+                    <a:bodyPr/>
+                    <a:lstStyle/>
+                    <a:p>
+                      <a:pPr rtl="1"/>
+                      <a:endParaRPr lang="he-IL"/>
+                    </a:p>
+                  </a:txBody>
+                  <a:tcPr/>
+                </a:tc>
+                <a:tc>
+                  <a:txBody>
+                    <a:bodyPr/>
+                    <a:lstStyle/>
+                    <a:p>
+                      <a:pPr rtl="1"/>
+                      <a:endParaRPr lang="he-IL"/>
+                    </a:p>
+                  </a:txBody>
+                  <a:tcPr/>
+                </a:tc>
+                <a:tc>
+                  <a:txBody>
+                    <a:bodyPr/>
+                    <a:lstStyle/>
+                    <a:p>
+                      <a:pPr rtl="1"/>
+                      <a:endParaRPr lang="he-IL"/>
+                    </a:p>
+                  </a:txBody>
+                  <a:tcPr/>
+                </a:tc>
+                <a:tc>
+                  <a:txBody>
+                    <a:bodyPr/>
+                    <a:lstStyle/>
+                    <a:p>
+                      <a:pPr rtl="1"/>
+                      <a:endParaRPr lang="he-IL"/>
+                    </a:p>
+                  </a:txBody>
+                  <a:tcPr/>
+                </a:tc>
+                <a:tc>
+                  <a:txBody>
+                    <a:bodyPr/>
+                    <a:lstStyle/>
+                    <a:p>
+                      <a:pPr rtl="1"/>
+                      <a:endParaRPr lang="he-IL"/>
+                    </a:p>
+                  </a:txBody>
+                  <a:tcPr/>
+                </a:tc>
+                <a:tc>
+                  <a:txBody>
+                    <a:bodyPr/>
+                    <a:lstStyle/>
+                    <a:p>
+                      <a:pPr rtl="1"/>
+                      <a:endParaRPr lang="he-IL"/>
+                    </a:p>
+                  </a:txBody>
+                  <a:tcPr/>
+                </a:tc>
+                <a:tc>
+                  <a:txBody>
+                    <a:bodyPr/>
+                    <a:lstStyle/>
+                    <a:p>
+                      <a:pPr rtl="1"/>
+                      <a:r>
+                        <a:rPr lang="en-US" dirty="0" err="1"/>
+                        <a:t>Toorgeman</a:t>
+                      </a:r>
+                      <a:endParaRPr lang="he-IL" dirty="0"/>
+                    </a:p>
+                  </a:txBody>
+                  <a:tcPr/>
+                </a:tc>
+                <a:tc>
+                  <a:txBody>
+                    <a:bodyPr/>
+                    <a:lstStyle/>
+                    <a:p>
+                      <a:pPr rtl="1"/>
+                      <a:r>
+                        <a:rPr lang="en-US" dirty="0" err="1"/>
+                        <a:t>Elad</a:t>
+                      </a:r>
+                      <a:endParaRPr lang="he-IL" dirty="0"/>
+                    </a:p>
+                  </a:txBody>
+                  <a:tcPr/>
+                </a:tc>
+                <a:extLst>
+                  <a:ext uri="{0D108BD9-81ED-4DB2-BD59-A6C34878D82A}">
+                    <a16:rowId xmlns:a16="http://schemas.microsoft.com/office/drawing/2014/main" val="3944038731"/>
+                  </a:ext>
+                </a:extLst>
+              </a:tr>
+              <a:tr h="370840">
+                <a:tc>
+                  <a:txBody>
+                    <a:bodyPr/>
+                    <a:lstStyle/>
+                    <a:p>
+                      <a:pPr rtl="1"/>
+                      <a:endParaRPr lang="he-IL"/>
+                    </a:p>
+                  </a:txBody>
+                  <a:tcPr/>
+                </a:tc>
+                <a:tc>
+                  <a:txBody>
+                    <a:bodyPr/>
+                    <a:lstStyle/>
+                    <a:p>
+                      <a:pPr rtl="1"/>
+                      <a:endParaRPr lang="he-IL"/>
+                    </a:p>
+                  </a:txBody>
+                  <a:tcPr/>
+                </a:tc>
+                <a:tc>
+                  <a:txBody>
+                    <a:bodyPr/>
+                    <a:lstStyle/>
+                    <a:p>
+                      <a:pPr rtl="1"/>
+                      <a:endParaRPr lang="he-IL"/>
+                    </a:p>
+                  </a:txBody>
+                  <a:tcPr/>
+                </a:tc>
+                <a:tc>
+                  <a:txBody>
+                    <a:bodyPr/>
+                    <a:lstStyle/>
+                    <a:p>
+                      <a:pPr rtl="1"/>
+                      <a:endParaRPr lang="he-IL"/>
+                    </a:p>
+                  </a:txBody>
+                  <a:tcPr/>
+                </a:tc>
+                <a:tc>
+                  <a:txBody>
+                    <a:bodyPr/>
+                    <a:lstStyle/>
+                    <a:p>
+                      <a:pPr rtl="1"/>
+                      <a:endParaRPr lang="he-IL"/>
+                    </a:p>
+                  </a:txBody>
+                  <a:tcPr/>
+                </a:tc>
+                <a:tc>
+                  <a:txBody>
+                    <a:bodyPr/>
+                    <a:lstStyle/>
+                    <a:p>
+                      <a:pPr rtl="1"/>
+                      <a:endParaRPr lang="he-IL"/>
+                    </a:p>
+                  </a:txBody>
+                  <a:tcPr/>
+                </a:tc>
+                <a:tc>
+                  <a:txBody>
+                    <a:bodyPr/>
+                    <a:lstStyle/>
+                    <a:p>
+                      <a:pPr rtl="1"/>
+                      <a:endParaRPr lang="he-IL"/>
+                    </a:p>
+                  </a:txBody>
+                  <a:tcPr/>
+                </a:tc>
+                <a:tc>
+                  <a:txBody>
+                    <a:bodyPr/>
+                    <a:lstStyle/>
+                    <a:p>
+                      <a:pPr rtl="1"/>
+                      <a:endParaRPr lang="he-IL"/>
+                    </a:p>
+                  </a:txBody>
+                  <a:tcPr/>
+                </a:tc>
+                <a:tc>
+                  <a:txBody>
+                    <a:bodyPr/>
+                    <a:lstStyle/>
+                    <a:p>
+                      <a:pPr rtl="1"/>
+                      <a:r>
+                        <a:rPr lang="en-US" dirty="0"/>
+                        <a:t>Rabinovich</a:t>
+                      </a:r>
+                      <a:endParaRPr lang="he-IL" dirty="0"/>
+                    </a:p>
+                  </a:txBody>
+                  <a:tcPr/>
+                </a:tc>
+                <a:tc>
+                  <a:txBody>
+                    <a:bodyPr/>
+                    <a:lstStyle/>
+                    <a:p>
+                      <a:pPr rtl="1"/>
+                      <a:r>
+                        <a:rPr lang="en-US" dirty="0"/>
+                        <a:t>Dani</a:t>
+                      </a:r>
+                      <a:endParaRPr lang="he-IL" dirty="0"/>
+                    </a:p>
+                  </a:txBody>
+                  <a:tcPr/>
+                </a:tc>
+                <a:extLst>
+                  <a:ext uri="{0D108BD9-81ED-4DB2-BD59-A6C34878D82A}">
+                    <a16:rowId xmlns:a16="http://schemas.microsoft.com/office/drawing/2014/main" val="2783318723"/>
+                  </a:ext>
+                </a:extLst>
+              </a:tr>
+              <a:tr h="370840">
+                <a:tc>
+                  <a:txBody>
+                    <a:bodyPr/>
+                    <a:lstStyle/>
+                    <a:p>
+                      <a:pPr rtl="1"/>
+                      <a:endParaRPr lang="he-IL"/>
+                    </a:p>
+                  </a:txBody>
+                  <a:tcPr/>
+                </a:tc>
+                <a:tc>
+                  <a:txBody>
+                    <a:bodyPr/>
+                    <a:lstStyle/>
+                    <a:p>
+                      <a:pPr rtl="1"/>
+                      <a:endParaRPr lang="he-IL"/>
+                    </a:p>
+                  </a:txBody>
+                  <a:tcPr/>
+                </a:tc>
+                <a:tc>
+                  <a:txBody>
+                    <a:bodyPr/>
+                    <a:lstStyle/>
+                    <a:p>
+                      <a:pPr rtl="1"/>
+                      <a:endParaRPr lang="he-IL"/>
+                    </a:p>
+                  </a:txBody>
+                  <a:tcPr/>
+                </a:tc>
+                <a:tc>
+                  <a:txBody>
+                    <a:bodyPr/>
+                    <a:lstStyle/>
+                    <a:p>
+                      <a:pPr rtl="1"/>
+                      <a:endParaRPr lang="he-IL"/>
+                    </a:p>
+                  </a:txBody>
+                  <a:tcPr/>
+                </a:tc>
+                <a:tc>
+                  <a:txBody>
+                    <a:bodyPr/>
+                    <a:lstStyle/>
+                    <a:p>
+                      <a:pPr rtl="1"/>
+                      <a:endParaRPr lang="he-IL"/>
+                    </a:p>
+                  </a:txBody>
+                  <a:tcPr/>
+                </a:tc>
+                <a:tc>
+                  <a:txBody>
+                    <a:bodyPr/>
+                    <a:lstStyle/>
+                    <a:p>
+                      <a:pPr rtl="1"/>
+                      <a:endParaRPr lang="he-IL"/>
+                    </a:p>
+                  </a:txBody>
+                  <a:tcPr/>
+                </a:tc>
+                <a:tc>
+                  <a:txBody>
+                    <a:bodyPr/>
+                    <a:lstStyle/>
+                    <a:p>
+                      <a:pPr rtl="1"/>
+                      <a:endParaRPr lang="he-IL" dirty="0"/>
+                    </a:p>
+                  </a:txBody>
+                  <a:tcPr/>
+                </a:tc>
+                <a:tc>
+                  <a:txBody>
+                    <a:bodyPr/>
+                    <a:lstStyle/>
+                    <a:p>
+                      <a:pPr rtl="1"/>
+                      <a:endParaRPr lang="he-IL" dirty="0"/>
+                    </a:p>
+                  </a:txBody>
+                  <a:tcPr/>
+                </a:tc>
+                <a:tc>
+                  <a:txBody>
+                    <a:bodyPr/>
+                    <a:lstStyle/>
+                    <a:p>
+                      <a:pPr rtl="1"/>
+                      <a:r>
+                        <a:rPr lang="en-US" dirty="0" err="1"/>
+                        <a:t>Dombrovski</a:t>
+                      </a:r>
+                      <a:endParaRPr lang="he-IL" dirty="0"/>
+                    </a:p>
+                  </a:txBody>
+                  <a:tcPr/>
+                </a:tc>
+                <a:tc>
+                  <a:txBody>
+                    <a:bodyPr/>
+                    <a:lstStyle/>
+                    <a:p>
+                      <a:pPr rtl="1"/>
+                      <a:r>
+                        <a:rPr lang="en-US" dirty="0"/>
+                        <a:t>Denis</a:t>
+                      </a:r>
+                      <a:endParaRPr lang="he-IL" dirty="0"/>
+                    </a:p>
+                  </a:txBody>
+                  <a:tcPr/>
+                </a:tc>
+                <a:extLst>
+                  <a:ext uri="{0D108BD9-81ED-4DB2-BD59-A6C34878D82A}">
+                    <a16:rowId xmlns:a16="http://schemas.microsoft.com/office/drawing/2014/main" val="2264945279"/>
+                  </a:ext>
+                </a:extLst>
+              </a:tr>
+            </a:tbl>
+          </a:graphicData>
+        </a:graphic>
+      </p:graphicFrame>
     </p:spTree>
     <p:extLst>
       <p:ext uri="{BB962C8B-B14F-4D97-AF65-F5344CB8AC3E}">
@@ -3496,11 +4197,32 @@
           <a:bodyPr/>
           <a:lstStyle/>
           <a:p>
+            <a:pPr algn="ctr"/>
+            <a:r>
+              <a:rPr lang="en-US" dirty="0">
+                <a:solidFill>
+                  <a:srgbClr val="FF0000"/>
+                </a:solidFill>
+              </a:rPr>
+              <a:t>Project</a:t>
+            </a:r>
             <a:r>
               <a:rPr lang="en-US" dirty="0"/>
-              <a:t>Project subject</a:t>
-            </a:r>
-            <a:endParaRPr lang="he-IL" dirty="0"/>
+              <a:t> </a:t>
+            </a:r>
+            <a:r>
+              <a:rPr lang="en-US" dirty="0">
+                <a:solidFill>
+                  <a:srgbClr val="FF0000"/>
+                </a:solidFill>
+              </a:rPr>
+              <a:t>subject</a:t>
+            </a:r>
+            <a:endParaRPr lang="he-IL" dirty="0">
+              <a:solidFill>
+                <a:srgbClr val="FF0000"/>
+              </a:solidFill>
+            </a:endParaRPr>
           </a:p>
         </p:txBody>
       </p:sp>
@@ -3628,10 +4350,421 @@
           </a:p>
         </p:txBody>
       </p:sp>
+      <p:pic>
+        <p:nvPicPr>
+          <p:cNvPr id="8" name="תמונה 7">
+            <a:extLst>
+              <a:ext uri="{FF2B5EF4-FFF2-40B4-BE49-F238E27FC236}">
+                <a16:creationId xmlns:a16="http://schemas.microsoft.com/office/drawing/2014/main" id="{9B5CDB20-96B3-4BFF-8FAD-3366F5B25874}"/>
+              </a:ext>
+            </a:extLst>
+          </p:cNvPr>
+          <p:cNvPicPr>
+            <a:picLocks noChangeAspect="1"/>
+          </p:cNvPicPr>
+          <p:nvPr/>
+        </p:nvPicPr>
+        <p:blipFill>
+          <a:blip r:embed="rId2">
+            <a:extLst>
+              <a:ext uri="{28A0092B-C50C-407E-A947-70E740481C1C}">
+                <a14:useLocalDpi xmlns:a14="http://schemas.microsoft.com/office/drawing/2010/main" val="0"/>
+              </a:ext>
+            </a:extLst>
+          </a:blip>
+          <a:stretch>
+            <a:fillRect/>
+          </a:stretch>
+        </p:blipFill>
+        <p:spPr>
+          <a:xfrm>
+            <a:off x="6638925" y="1902930"/>
+            <a:ext cx="5553075" cy="2466975"/>
+          </a:xfrm>
+          <a:prstGeom prst="rect">
+            <a:avLst/>
+          </a:prstGeom>
+        </p:spPr>
+      </p:pic>
+      <p:pic>
+        <p:nvPicPr>
+          <p:cNvPr id="10" name="תמונה 9">
+            <a:extLst>
+              <a:ext uri="{FF2B5EF4-FFF2-40B4-BE49-F238E27FC236}">
+                <a16:creationId xmlns:a16="http://schemas.microsoft.com/office/drawing/2014/main" id="{A50EE932-00AF-45B3-9237-B797A76B366C}"/>
+              </a:ext>
+            </a:extLst>
+          </p:cNvPr>
+          <p:cNvPicPr>
+            <a:picLocks noChangeAspect="1"/>
+          </p:cNvPicPr>
+          <p:nvPr/>
+        </p:nvPicPr>
+        <p:blipFill>
+          <a:blip r:embed="rId3">
+            <a:extLst>
+              <a:ext uri="{28A0092B-C50C-407E-A947-70E740481C1C}">
+                <a14:useLocalDpi xmlns:a14="http://schemas.microsoft.com/office/drawing/2010/main" val="0"/>
+              </a:ext>
+            </a:extLst>
+          </a:blip>
+          <a:stretch>
+            <a:fillRect/>
+          </a:stretch>
+        </p:blipFill>
+        <p:spPr>
+          <a:xfrm>
+            <a:off x="6638925" y="4465155"/>
+            <a:ext cx="5553075" cy="2295525"/>
+          </a:xfrm>
+          <a:prstGeom prst="rect">
+            <a:avLst/>
+          </a:prstGeom>
+        </p:spPr>
+      </p:pic>
+      <p:pic>
+        <p:nvPicPr>
+          <p:cNvPr id="12" name="תמונה 11">
+            <a:extLst>
+              <a:ext uri="{FF2B5EF4-FFF2-40B4-BE49-F238E27FC236}">
+                <a16:creationId xmlns:a16="http://schemas.microsoft.com/office/drawing/2014/main" id="{971A56D9-3C6E-4541-B272-DE2157ACA366}"/>
+              </a:ext>
+            </a:extLst>
+          </p:cNvPr>
+          <p:cNvPicPr>
+            <a:picLocks noChangeAspect="1"/>
+          </p:cNvPicPr>
+          <p:nvPr/>
+        </p:nvPicPr>
+        <p:blipFill>
+          <a:blip r:embed="rId4">
+            <a:extLst>
+              <a:ext uri="{28A0092B-C50C-407E-A947-70E740481C1C}">
+                <a14:useLocalDpi xmlns:a14="http://schemas.microsoft.com/office/drawing/2010/main" val="0"/>
+              </a:ext>
+            </a:extLst>
+          </a:blip>
+          <a:stretch>
+            <a:fillRect/>
+          </a:stretch>
+        </p:blipFill>
+        <p:spPr>
+          <a:xfrm>
+            <a:off x="0" y="1902930"/>
+            <a:ext cx="6391275" cy="4781550"/>
+          </a:xfrm>
+          <a:prstGeom prst="rect">
+            <a:avLst/>
+          </a:prstGeom>
+        </p:spPr>
+      </p:pic>
     </p:spTree>
     <p:extLst>
       <p:ext uri="{BB962C8B-B14F-4D97-AF65-F5344CB8AC3E}">
         <p14:creationId xmlns:p14="http://schemas.microsoft.com/office/powerpoint/2010/main" val="4087533001"/>
+      </p:ext>
+    </p:extLst>
+  </p:cSld>
+  <p:clrMapOvr>
+    <a:masterClrMapping/>
+  </p:clrMapOvr>
+</p:sld>
+</file>
+
+<file path=ppt/slides/slide4.xml><?xml version="1.0" encoding="utf-8"?>
+<p:sld xmlns:a="http://schemas.openxmlformats.org/drawingml/2006/main" xmlns:r="http://schemas.openxmlformats.org/officeDocument/2006/relationships" xmlns:p="http://schemas.openxmlformats.org/presentationml/2006/main">
+  <p:cSld>
+    <p:spTree>
+      <p:nvGrpSpPr>
+        <p:cNvPr id="1" name=""/>
+        <p:cNvGrpSpPr/>
+        <p:nvPr/>
+      </p:nvGrpSpPr>
+      <p:grpSpPr>
+        <a:xfrm>
+          <a:off x="0" y="0"/>
+          <a:ext cx="0" cy="0"/>
+          <a:chOff x="0" y="0"/>
+          <a:chExt cx="0" cy="0"/>
+        </a:xfrm>
+      </p:grpSpPr>
+      <p:sp>
+        <p:nvSpPr>
+          <p:cNvPr id="5" name="מלבן 4">
+            <a:extLst>
+              <a:ext uri="{FF2B5EF4-FFF2-40B4-BE49-F238E27FC236}">
+                <a16:creationId xmlns:a16="http://schemas.microsoft.com/office/drawing/2014/main" id="{3BD2577B-4150-40DB-838D-300517273406}"/>
+              </a:ext>
+            </a:extLst>
+          </p:cNvPr>
+          <p:cNvSpPr/>
+          <p:nvPr/>
+        </p:nvSpPr>
+        <p:spPr>
+          <a:xfrm>
+            <a:off x="3615771" y="508221"/>
+            <a:ext cx="4294233" cy="923330"/>
+          </a:xfrm>
+          <a:prstGeom prst="rect">
+            <a:avLst/>
+          </a:prstGeom>
+          <a:noFill/>
+        </p:spPr>
+        <p:txBody>
+          <a:bodyPr wrap="square" lIns="91440" tIns="45720" rIns="91440" bIns="45720">
+            <a:spAutoFit/>
+            <a:scene3d>
+              <a:camera prst="orthographicFront"/>
+              <a:lightRig rig="soft" dir="t">
+                <a:rot lat="0" lon="0" rev="15600000"/>
+              </a:lightRig>
+            </a:scene3d>
+            <a:sp3d extrusionH="57150" prstMaterial="softEdge">
+              <a:bevelT w="25400" h="38100"/>
+            </a:sp3d>
+          </a:bodyPr>
+          <a:lstStyle/>
+          <a:p>
+            <a:pPr algn="ctr"/>
+            <a:r>
+              <a:rPr lang="he-IL" sz="5400" b="1" cap="none" spc="0" dirty="0">
+                <a:ln w="12700">
+                  <a:solidFill>
+                    <a:schemeClr val="accent6"/>
+                  </a:solidFill>
+                </a:ln>
+                <a:solidFill>
+                  <a:schemeClr val="accent4"/>
+                </a:solidFill>
+                <a:effectLst>
+                  <a:outerShdw blurRad="50800" dist="38100" dir="10800000" algn="r" rotWithShape="0">
+                    <a:prstClr val="black">
+                      <a:alpha val="40000"/>
+                    </a:prstClr>
+                  </a:outerShdw>
+                </a:effectLst>
+              </a:rPr>
+              <a:t>היבט</a:t>
+            </a:r>
+            <a:r>
+              <a:rPr lang="he-IL" sz="5400" b="1" cap="none" spc="0" dirty="0">
+                <a:ln w="12700">
+                  <a:solidFill>
+                    <a:schemeClr val="accent6"/>
+                  </a:solidFill>
+                </a:ln>
+                <a:solidFill>
+                  <a:schemeClr val="accent4"/>
+                </a:solidFill>
+                <a:effectLst/>
+              </a:rPr>
+              <a:t> </a:t>
+            </a:r>
+            <a:r>
+              <a:rPr lang="he-IL" sz="5400" b="1" cap="none" spc="0" dirty="0">
+                <a:ln w="12700">
+                  <a:solidFill>
+                    <a:schemeClr val="accent6"/>
+                  </a:solidFill>
+                </a:ln>
+                <a:solidFill>
+                  <a:schemeClr val="accent4"/>
+                </a:solidFill>
+                <a:effectLst>
+                  <a:outerShdw blurRad="50800" dist="38100" dir="10800000" algn="r" rotWithShape="0">
+                    <a:prstClr val="black">
+                      <a:alpha val="40000"/>
+                    </a:prstClr>
+                  </a:outerShdw>
+                </a:effectLst>
+              </a:rPr>
+              <a:t>אבטחתי</a:t>
+            </a:r>
+          </a:p>
+        </p:txBody>
+      </p:sp>
+      <p:sp>
+        <p:nvSpPr>
+          <p:cNvPr id="6" name="TextBox 5">
+            <a:extLst>
+              <a:ext uri="{FF2B5EF4-FFF2-40B4-BE49-F238E27FC236}">
+                <a16:creationId xmlns:a16="http://schemas.microsoft.com/office/drawing/2014/main" id="{56BA246F-B603-4BEE-A442-A6B1A26A00A9}"/>
+              </a:ext>
+            </a:extLst>
+          </p:cNvPr>
+          <p:cNvSpPr txBox="1"/>
+          <p:nvPr/>
+        </p:nvSpPr>
+        <p:spPr>
+          <a:xfrm>
+            <a:off x="1527136" y="2590874"/>
+            <a:ext cx="9960745" cy="1200329"/>
+          </a:xfrm>
+          <a:prstGeom prst="rect">
+            <a:avLst/>
+          </a:prstGeom>
+          <a:noFill/>
+        </p:spPr>
+        <p:txBody>
+          <a:bodyPr wrap="square" rtlCol="1">
+            <a:spAutoFit/>
+          </a:bodyPr>
+          <a:lstStyle/>
+          <a:p>
+            <a:pPr algn="r" rtl="1"/>
+            <a:r>
+              <a:rPr lang="he-IL" dirty="0">
+                <a:solidFill>
+                  <a:schemeClr val="accent6">
+                    <a:lumMod val="50000"/>
+                  </a:schemeClr>
+                </a:solidFill>
+              </a:rPr>
+              <a:t>פתרון: </a:t>
+            </a:r>
+            <a:r>
+              <a:rPr lang="he-IL" dirty="0"/>
+              <a:t>גישה לבסיס הנתונים תתאפשר רק דרך שרת </a:t>
+            </a:r>
+            <a:r>
+              <a:rPr lang="en-US" dirty="0"/>
+              <a:t>API</a:t>
+            </a:r>
+            <a:r>
+              <a:rPr lang="he-IL" dirty="0"/>
+              <a:t> שלנו אשר יפעל על פרוטוקול </a:t>
+            </a:r>
+            <a:r>
+              <a:rPr lang="en-US" dirty="0"/>
+              <a:t>HTTPS</a:t>
+            </a:r>
+            <a:r>
+              <a:rPr lang="he-IL" dirty="0"/>
+              <a:t> אשר מוצפן על ידי</a:t>
+            </a:r>
+          </a:p>
+          <a:p>
+            <a:pPr algn="r" rtl="1"/>
+            <a:r>
+              <a:rPr lang="he-IL" dirty="0"/>
+              <a:t> </a:t>
+            </a:r>
+            <a:r>
+              <a:rPr lang="en-US" dirty="0"/>
+              <a:t>sha256RSA and SSL</a:t>
+            </a:r>
+            <a:r>
+              <a:rPr lang="he-IL" dirty="0"/>
+              <a:t> וגם גישה לשרת תתבצע על ידי שם משתמש וסיסמה אשר לא קשורים למשתמש </a:t>
+            </a:r>
+          </a:p>
+          <a:p>
+            <a:pPr algn="r" rtl="1"/>
+            <a:r>
+              <a:rPr lang="he-IL" dirty="0"/>
+              <a:t>שרת </a:t>
+            </a:r>
+            <a:r>
+              <a:rPr lang="en-US" dirty="0"/>
+              <a:t>API</a:t>
+            </a:r>
+            <a:r>
+              <a:rPr lang="he-IL" dirty="0"/>
+              <a:t> יחזיר תשובות בצורת </a:t>
+            </a:r>
+            <a:r>
+              <a:rPr lang="en-US" dirty="0"/>
+              <a:t>JSON</a:t>
+            </a:r>
+            <a:r>
+              <a:rPr lang="he-IL" dirty="0"/>
+              <a:t> אשר נצפין את התוכן שלו על מנת לא לאפשר ביצוע </a:t>
+            </a:r>
+            <a:r>
+              <a:rPr lang="en-US" dirty="0"/>
+              <a:t>spoofing and sniffing</a:t>
+            </a:r>
+          </a:p>
+          <a:p>
+            <a:pPr algn="r" rtl="1"/>
+            <a:r>
+              <a:rPr lang="he-IL" dirty="0"/>
+              <a:t>האתר המשתמש יצפין את : סיסמת המשתמש ,פרטים של המשתמש </a:t>
+            </a:r>
+            <a:r>
+              <a:rPr lang="he-IL" dirty="0" err="1"/>
+              <a:t>וכו</a:t>
+            </a:r>
+            <a:r>
+              <a:rPr lang="he-IL" dirty="0"/>
+              <a:t>  לפני עברתה לשרת </a:t>
+            </a:r>
+            <a:r>
+              <a:rPr lang="en-US" dirty="0"/>
+              <a:t>API</a:t>
+            </a:r>
+            <a:r>
+              <a:rPr lang="he-IL" dirty="0"/>
+              <a:t> </a:t>
+            </a:r>
+          </a:p>
+        </p:txBody>
+      </p:sp>
+      <p:sp>
+        <p:nvSpPr>
+          <p:cNvPr id="8" name="TextBox 7">
+            <a:extLst>
+              <a:ext uri="{FF2B5EF4-FFF2-40B4-BE49-F238E27FC236}">
+                <a16:creationId xmlns:a16="http://schemas.microsoft.com/office/drawing/2014/main" id="{E77DE912-B2F2-4590-AEE3-42F89622B4AC}"/>
+              </a:ext>
+            </a:extLst>
+          </p:cNvPr>
+          <p:cNvSpPr txBox="1"/>
+          <p:nvPr/>
+        </p:nvSpPr>
+        <p:spPr>
+          <a:xfrm>
+            <a:off x="4355800" y="1688047"/>
+            <a:ext cx="7132081" cy="646331"/>
+          </a:xfrm>
+          <a:prstGeom prst="rect">
+            <a:avLst/>
+          </a:prstGeom>
+          <a:noFill/>
+        </p:spPr>
+        <p:txBody>
+          <a:bodyPr wrap="none" rtlCol="1">
+            <a:spAutoFit/>
+          </a:bodyPr>
+          <a:lstStyle/>
+          <a:p>
+            <a:pPr algn="r"/>
+            <a:r>
+              <a:rPr lang="he-IL" dirty="0">
+                <a:solidFill>
+                  <a:srgbClr val="FF0000"/>
+                </a:solidFill>
+              </a:rPr>
+              <a:t>הבעיה:</a:t>
+            </a:r>
+            <a:r>
+              <a:rPr lang="he-IL" dirty="0"/>
+              <a:t> שאנו מבצעים מעקב אחר המשתמש</a:t>
+            </a:r>
+          </a:p>
+          <a:p>
+            <a:pPr algn="r"/>
+            <a:r>
+              <a:rPr lang="he-IL" dirty="0"/>
+              <a:t>ומידע זה יכול להכיל פרטים אישים או מידע רגיש אשר יגרום למבוכת המשתמש</a:t>
+            </a:r>
+          </a:p>
+        </p:txBody>
+      </p:sp>
+    </p:spTree>
+    <p:extLst>
+      <p:ext uri="{BB962C8B-B14F-4D97-AF65-F5344CB8AC3E}">
+        <p14:creationId xmlns:p14="http://schemas.microsoft.com/office/powerpoint/2010/main" val="1760210295"/>
       </p:ext>
     </p:extLst>
   </p:cSld>

--- a/Project.pptx
+++ b/Project.pptx
@@ -8,7 +8,8 @@
     <p:sldId id="256" r:id="rId2"/>
     <p:sldId id="257" r:id="rId3"/>
     <p:sldId id="258" r:id="rId4"/>
-    <p:sldId id="259" r:id="rId5"/>
+    <p:sldId id="260" r:id="rId5"/>
+    <p:sldId id="259" r:id="rId6"/>
   </p:sldIdLst>
   <p:sldSz cx="12192000" cy="6858000"/>
   <p:notesSz cx="6858000" cy="9144000"/>
@@ -264,7 +265,7 @@
           <a:p>
             <a:fld id="{1EB5158A-FDBB-4736-BD5F-B7E5E76D4148}" type="datetimeFigureOut">
               <a:rPr lang="he-IL" smtClean="0"/>
-              <a:t>כ"ה/אדר א/תשע"ט</a:t>
+              <a:t>ל'/אדר א/תשע"ט</a:t>
             </a:fld>
             <a:endParaRPr lang="he-IL"/>
           </a:p>
@@ -464,7 +465,7 @@
           <a:p>
             <a:fld id="{1EB5158A-FDBB-4736-BD5F-B7E5E76D4148}" type="datetimeFigureOut">
               <a:rPr lang="he-IL" smtClean="0"/>
-              <a:t>כ"ה/אדר א/תשע"ט</a:t>
+              <a:t>ל'/אדר א/תשע"ט</a:t>
             </a:fld>
             <a:endParaRPr lang="he-IL"/>
           </a:p>
@@ -674,7 +675,7 @@
           <a:p>
             <a:fld id="{1EB5158A-FDBB-4736-BD5F-B7E5E76D4148}" type="datetimeFigureOut">
               <a:rPr lang="he-IL" smtClean="0"/>
-              <a:t>כ"ה/אדר א/תשע"ט</a:t>
+              <a:t>ל'/אדר א/תשע"ט</a:t>
             </a:fld>
             <a:endParaRPr lang="he-IL"/>
           </a:p>
@@ -874,7 +875,7 @@
           <a:p>
             <a:fld id="{1EB5158A-FDBB-4736-BD5F-B7E5E76D4148}" type="datetimeFigureOut">
               <a:rPr lang="he-IL" smtClean="0"/>
-              <a:t>כ"ה/אדר א/תשע"ט</a:t>
+              <a:t>ל'/אדר א/תשע"ט</a:t>
             </a:fld>
             <a:endParaRPr lang="he-IL"/>
           </a:p>
@@ -1150,7 +1151,7 @@
           <a:p>
             <a:fld id="{1EB5158A-FDBB-4736-BD5F-B7E5E76D4148}" type="datetimeFigureOut">
               <a:rPr lang="he-IL" smtClean="0"/>
-              <a:t>כ"ה/אדר א/תשע"ט</a:t>
+              <a:t>ל'/אדר א/תשע"ט</a:t>
             </a:fld>
             <a:endParaRPr lang="he-IL"/>
           </a:p>
@@ -1418,7 +1419,7 @@
           <a:p>
             <a:fld id="{1EB5158A-FDBB-4736-BD5F-B7E5E76D4148}" type="datetimeFigureOut">
               <a:rPr lang="he-IL" smtClean="0"/>
-              <a:t>כ"ה/אדר א/תשע"ט</a:t>
+              <a:t>ל'/אדר א/תשע"ט</a:t>
             </a:fld>
             <a:endParaRPr lang="he-IL"/>
           </a:p>
@@ -1833,7 +1834,7 @@
           <a:p>
             <a:fld id="{1EB5158A-FDBB-4736-BD5F-B7E5E76D4148}" type="datetimeFigureOut">
               <a:rPr lang="he-IL" smtClean="0"/>
-              <a:t>כ"ה/אדר א/תשע"ט</a:t>
+              <a:t>ל'/אדר א/תשע"ט</a:t>
             </a:fld>
             <a:endParaRPr lang="he-IL"/>
           </a:p>
@@ -1975,7 +1976,7 @@
           <a:p>
             <a:fld id="{1EB5158A-FDBB-4736-BD5F-B7E5E76D4148}" type="datetimeFigureOut">
               <a:rPr lang="he-IL" smtClean="0"/>
-              <a:t>כ"ה/אדר א/תשע"ט</a:t>
+              <a:t>ל'/אדר א/תשע"ט</a:t>
             </a:fld>
             <a:endParaRPr lang="he-IL"/>
           </a:p>
@@ -2088,7 +2089,7 @@
           <a:p>
             <a:fld id="{1EB5158A-FDBB-4736-BD5F-B7E5E76D4148}" type="datetimeFigureOut">
               <a:rPr lang="he-IL" smtClean="0"/>
-              <a:t>כ"ה/אדר א/תשע"ט</a:t>
+              <a:t>ל'/אדר א/תשע"ט</a:t>
             </a:fld>
             <a:endParaRPr lang="he-IL"/>
           </a:p>
@@ -2401,7 +2402,7 @@
           <a:p>
             <a:fld id="{1EB5158A-FDBB-4736-BD5F-B7E5E76D4148}" type="datetimeFigureOut">
               <a:rPr lang="he-IL" smtClean="0"/>
-              <a:t>כ"ה/אדר א/תשע"ט</a:t>
+              <a:t>ל'/אדר א/תשע"ט</a:t>
             </a:fld>
             <a:endParaRPr lang="he-IL"/>
           </a:p>
@@ -2690,7 +2691,7 @@
           <a:p>
             <a:fld id="{1EB5158A-FDBB-4736-BD5F-B7E5E76D4148}" type="datetimeFigureOut">
               <a:rPr lang="he-IL" smtClean="0"/>
-              <a:t>כ"ה/אדר א/תשע"ט</a:t>
+              <a:t>ל'/אדר א/תשע"ט</a:t>
             </a:fld>
             <a:endParaRPr lang="he-IL"/>
           </a:p>
@@ -2933,7 +2934,7 @@
           <a:p>
             <a:fld id="{1EB5158A-FDBB-4736-BD5F-B7E5E76D4148}" type="datetimeFigureOut">
               <a:rPr lang="he-IL" smtClean="0"/>
-              <a:t>כ"ה/אדר א/תשע"ט</a:t>
+              <a:t>ל'/אדר א/תשע"ט</a:t>
             </a:fld>
             <a:endParaRPr lang="he-IL"/>
           </a:p>
@@ -3430,14 +3431,14 @@
           <p:nvPr>
             <p:extLst>
               <p:ext uri="{D42A27DB-BD31-4B8C-83A1-F6EECF244321}">
-                <p14:modId xmlns:p14="http://schemas.microsoft.com/office/powerpoint/2010/main" val="1392848636"/>
+                <p14:modId xmlns:p14="http://schemas.microsoft.com/office/powerpoint/2010/main" val="1938956958"/>
               </p:ext>
             </p:extLst>
           </p:nvPr>
         </p:nvGraphicFramePr>
         <p:xfrm>
-          <a:off x="266009" y="4333643"/>
-          <a:ext cx="9759521" cy="2123440"/>
+          <a:off x="150919" y="4333643"/>
+          <a:ext cx="9874612" cy="2123440"/>
         </p:xfrm>
         <a:graphic>
           <a:graphicData uri="http://schemas.openxmlformats.org/drawingml/2006/table">
@@ -3446,70 +3447,35 @@
                 <a:tableStyleId>{5A111915-BE36-4E01-A7E5-04B1672EAD32}</a:tableStyleId>
               </a:tblPr>
               <a:tblGrid>
-                <a:gridCol w="975952">
+                <a:gridCol w="1660097">
                   <a:extLst>
                     <a:ext uri="{9D8B030D-6E8A-4147-A177-3AD203B41FA5}">
                       <a16:colId xmlns:a16="http://schemas.microsoft.com/office/drawing/2014/main" val="1073255888"/>
                     </a:ext>
                   </a:extLst>
                 </a:gridCol>
-                <a:gridCol w="975952">
+                <a:gridCol w="1660097">
                   <a:extLst>
                     <a:ext uri="{9D8B030D-6E8A-4147-A177-3AD203B41FA5}">
                       <a16:colId xmlns:a16="http://schemas.microsoft.com/office/drawing/2014/main" val="4236861199"/>
                     </a:ext>
                   </a:extLst>
                 </a:gridCol>
-                <a:gridCol w="975952">
-                  <a:extLst>
-                    <a:ext uri="{9D8B030D-6E8A-4147-A177-3AD203B41FA5}">
-                      <a16:colId xmlns:a16="http://schemas.microsoft.com/office/drawing/2014/main" val="811636827"/>
-                    </a:ext>
-                  </a:extLst>
-                </a:gridCol>
-                <a:gridCol w="975952">
-                  <a:extLst>
-                    <a:ext uri="{9D8B030D-6E8A-4147-A177-3AD203B41FA5}">
-                      <a16:colId xmlns:a16="http://schemas.microsoft.com/office/drawing/2014/main" val="4050964627"/>
-                    </a:ext>
-                  </a:extLst>
-                </a:gridCol>
-                <a:gridCol w="975952">
-                  <a:extLst>
-                    <a:ext uri="{9D8B030D-6E8A-4147-A177-3AD203B41FA5}">
-                      <a16:colId xmlns:a16="http://schemas.microsoft.com/office/drawing/2014/main" val="1098894725"/>
-                    </a:ext>
-                  </a:extLst>
-                </a:gridCol>
-                <a:gridCol w="818214">
-                  <a:extLst>
-                    <a:ext uri="{9D8B030D-6E8A-4147-A177-3AD203B41FA5}">
-                      <a16:colId xmlns:a16="http://schemas.microsoft.com/office/drawing/2014/main" val="3337310467"/>
-                    </a:ext>
-                  </a:extLst>
-                </a:gridCol>
-                <a:gridCol w="697116">
-                  <a:extLst>
-                    <a:ext uri="{9D8B030D-6E8A-4147-A177-3AD203B41FA5}">
-                      <a16:colId xmlns:a16="http://schemas.microsoft.com/office/drawing/2014/main" val="607029358"/>
-                    </a:ext>
-                  </a:extLst>
-                </a:gridCol>
-                <a:gridCol w="986784">
+                <a:gridCol w="2510034">
                   <a:extLst>
                     <a:ext uri="{9D8B030D-6E8A-4147-A177-3AD203B41FA5}">
                       <a16:colId xmlns:a16="http://schemas.microsoft.com/office/drawing/2014/main" val="4192807163"/>
                     </a:ext>
                   </a:extLst>
                 </a:gridCol>
-                <a:gridCol w="1401695">
+                <a:gridCol w="2384287">
                   <a:extLst>
                     <a:ext uri="{9D8B030D-6E8A-4147-A177-3AD203B41FA5}">
                       <a16:colId xmlns:a16="http://schemas.microsoft.com/office/drawing/2014/main" val="1003050243"/>
                     </a:ext>
                   </a:extLst>
                 </a:gridCol>
-                <a:gridCol w="975952">
+                <a:gridCol w="1660097">
                   <a:extLst>
                     <a:ext uri="{9D8B030D-6E8A-4147-A177-3AD203B41FA5}">
                       <a16:colId xmlns:a16="http://schemas.microsoft.com/office/drawing/2014/main" val="937596838"/>
@@ -3535,61 +3501,6 @@
                     <a:lstStyle/>
                     <a:p>
                       <a:pPr rtl="1"/>
-                      <a:endParaRPr lang="he-IL"/>
-                    </a:p>
-                  </a:txBody>
-                  <a:tcPr/>
-                </a:tc>
-                <a:tc>
-                  <a:txBody>
-                    <a:bodyPr/>
-                    <a:lstStyle/>
-                    <a:p>
-                      <a:pPr rtl="1"/>
-                      <a:endParaRPr lang="he-IL"/>
-                    </a:p>
-                  </a:txBody>
-                  <a:tcPr/>
-                </a:tc>
-                <a:tc>
-                  <a:txBody>
-                    <a:bodyPr/>
-                    <a:lstStyle/>
-                    <a:p>
-                      <a:pPr rtl="1"/>
-                      <a:endParaRPr lang="he-IL"/>
-                    </a:p>
-                  </a:txBody>
-                  <a:tcPr/>
-                </a:tc>
-                <a:tc>
-                  <a:txBody>
-                    <a:bodyPr/>
-                    <a:lstStyle/>
-                    <a:p>
-                      <a:pPr rtl="1"/>
-                      <a:endParaRPr lang="he-IL"/>
-                    </a:p>
-                  </a:txBody>
-                  <a:tcPr/>
-                </a:tc>
-                <a:tc>
-                  <a:txBody>
-                    <a:bodyPr/>
-                    <a:lstStyle/>
-                    <a:p>
-                      <a:pPr rtl="1"/>
-                      <a:endParaRPr lang="he-IL"/>
-                    </a:p>
-                  </a:txBody>
-                  <a:tcPr/>
-                </a:tc>
-                <a:tc>
-                  <a:txBody>
-                    <a:bodyPr/>
-                    <a:lstStyle/>
-                    <a:p>
-                      <a:pPr rtl="1"/>
                       <a:endParaRPr lang="he-IL" dirty="0"/>
                     </a:p>
                   </a:txBody>
@@ -3601,6 +3512,10 @@
                     <a:lstStyle/>
                     <a:p>
                       <a:pPr rtl="1"/>
+                      <a:r>
+                        <a:rPr lang="en-US" dirty="0"/>
+                        <a:t>Tasks</a:t>
+                      </a:r>
                       <a:endParaRPr lang="he-IL" dirty="0"/>
                     </a:p>
                   </a:txBody>
@@ -3671,62 +3586,11 @@
                     <a:lstStyle/>
                     <a:p>
                       <a:pPr rtl="1"/>
-                      <a:endParaRPr lang="he-IL"/>
-                    </a:p>
-                  </a:txBody>
-                  <a:tcPr/>
-                </a:tc>
-                <a:tc>
-                  <a:txBody>
-                    <a:bodyPr/>
-                    <a:lstStyle/>
-                    <a:p>
-                      <a:pPr rtl="1"/>
-                      <a:endParaRPr lang="he-IL"/>
-                    </a:p>
-                  </a:txBody>
-                  <a:tcPr/>
-                </a:tc>
-                <a:tc>
-                  <a:txBody>
-                    <a:bodyPr/>
-                    <a:lstStyle/>
-                    <a:p>
-                      <a:pPr rtl="1"/>
-                      <a:endParaRPr lang="he-IL"/>
-                    </a:p>
-                  </a:txBody>
-                  <a:tcPr/>
-                </a:tc>
-                <a:tc>
-                  <a:txBody>
-                    <a:bodyPr/>
-                    <a:lstStyle/>
-                    <a:p>
-                      <a:pPr rtl="1"/>
-                      <a:endParaRPr lang="he-IL"/>
-                    </a:p>
-                  </a:txBody>
-                  <a:tcPr/>
-                </a:tc>
-                <a:tc>
-                  <a:txBody>
-                    <a:bodyPr/>
-                    <a:lstStyle/>
-                    <a:p>
-                      <a:pPr rtl="1"/>
-                      <a:endParaRPr lang="he-IL"/>
-                    </a:p>
-                  </a:txBody>
-                  <a:tcPr/>
-                </a:tc>
-                <a:tc>
-                  <a:txBody>
-                    <a:bodyPr/>
-                    <a:lstStyle/>
-                    <a:p>
-                      <a:pPr rtl="1"/>
-                      <a:endParaRPr lang="he-IL"/>
+                      <a:r>
+                        <a:rPr lang="en-US" dirty="0"/>
+                        <a:t>Front-end  site</a:t>
+                      </a:r>
+                      <a:endParaRPr lang="he-IL" dirty="0"/>
                     </a:p>
                   </a:txBody>
                   <a:tcPr/>
@@ -3796,62 +3660,17 @@
                     <a:lstStyle/>
                     <a:p>
                       <a:pPr rtl="1"/>
-                      <a:endParaRPr lang="he-IL"/>
+                      <a:r>
+                        <a:rPr lang="en-US" dirty="0"/>
+                        <a:t>Manager project </a:t>
+                      </a:r>
                     </a:p>
-                  </a:txBody>
-                  <a:tcPr/>
-                </a:tc>
-                <a:tc>
-                  <a:txBody>
-                    <a:bodyPr/>
-                    <a:lstStyle/>
                     <a:p>
                       <a:pPr rtl="1"/>
-                      <a:endParaRPr lang="he-IL"/>
-                    </a:p>
-                  </a:txBody>
-                  <a:tcPr/>
-                </a:tc>
-                <a:tc>
-                  <a:txBody>
-                    <a:bodyPr/>
-                    <a:lstStyle/>
-                    <a:p>
-                      <a:pPr rtl="1"/>
-                      <a:endParaRPr lang="he-IL"/>
-                    </a:p>
-                  </a:txBody>
-                  <a:tcPr/>
-                </a:tc>
-                <a:tc>
-                  <a:txBody>
-                    <a:bodyPr/>
-                    <a:lstStyle/>
-                    <a:p>
-                      <a:pPr rtl="1"/>
-                      <a:endParaRPr lang="he-IL"/>
-                    </a:p>
-                  </a:txBody>
-                  <a:tcPr/>
-                </a:tc>
-                <a:tc>
-                  <a:txBody>
-                    <a:bodyPr/>
-                    <a:lstStyle/>
-                    <a:p>
-                      <a:pPr rtl="1"/>
-                      <a:endParaRPr lang="he-IL"/>
-                    </a:p>
-                  </a:txBody>
-                  <a:tcPr/>
-                </a:tc>
-                <a:tc>
-                  <a:txBody>
-                    <a:bodyPr/>
-                    <a:lstStyle/>
-                    <a:p>
-                      <a:pPr rtl="1"/>
-                      <a:endParaRPr lang="he-IL"/>
+                      <a:r>
+                        <a:rPr lang="en-US" dirty="0"/>
+                        <a:t>Design and test</a:t>
+                      </a:r>
                     </a:p>
                   </a:txBody>
                   <a:tcPr/>
@@ -3921,62 +3740,15 @@
                     <a:lstStyle/>
                     <a:p>
                       <a:pPr rtl="1"/>
-                      <a:endParaRPr lang="he-IL"/>
-                    </a:p>
-                  </a:txBody>
-                  <a:tcPr/>
-                </a:tc>
-                <a:tc>
-                  <a:txBody>
-                    <a:bodyPr/>
-                    <a:lstStyle/>
-                    <a:p>
-                      <a:pPr rtl="1"/>
-                      <a:endParaRPr lang="he-IL"/>
-                    </a:p>
-                  </a:txBody>
-                  <a:tcPr/>
-                </a:tc>
-                <a:tc>
-                  <a:txBody>
-                    <a:bodyPr/>
-                    <a:lstStyle/>
-                    <a:p>
-                      <a:pPr rtl="1"/>
-                      <a:endParaRPr lang="he-IL"/>
-                    </a:p>
-                  </a:txBody>
-                  <a:tcPr/>
-                </a:tc>
-                <a:tc>
-                  <a:txBody>
-                    <a:bodyPr/>
-                    <a:lstStyle/>
-                    <a:p>
-                      <a:pPr rtl="1"/>
-                      <a:endParaRPr lang="he-IL"/>
-                    </a:p>
-                  </a:txBody>
-                  <a:tcPr/>
-                </a:tc>
-                <a:tc>
-                  <a:txBody>
-                    <a:bodyPr/>
-                    <a:lstStyle/>
-                    <a:p>
-                      <a:pPr rtl="1"/>
-                      <a:endParaRPr lang="he-IL"/>
-                    </a:p>
-                  </a:txBody>
-                  <a:tcPr/>
-                </a:tc>
-                <a:tc>
-                  <a:txBody>
-                    <a:bodyPr/>
-                    <a:lstStyle/>
-                    <a:p>
-                      <a:pPr rtl="1"/>
-                      <a:endParaRPr lang="he-IL"/>
+                      <a:r>
+                        <a:rPr lang="en-US" dirty="0"/>
+                        <a:t>Database + </a:t>
+                      </a:r>
+                      <a:r>
+                        <a:rPr lang="en-US" dirty="0" err="1"/>
+                        <a:t>Api</a:t>
+                      </a:r>
+                      <a:endParaRPr lang="he-IL" dirty="0"/>
                     </a:p>
                   </a:txBody>
                   <a:tcPr/>
@@ -4046,61 +3818,10 @@
                     <a:lstStyle/>
                     <a:p>
                       <a:pPr rtl="1"/>
-                      <a:endParaRPr lang="he-IL"/>
-                    </a:p>
-                  </a:txBody>
-                  <a:tcPr/>
-                </a:tc>
-                <a:tc>
-                  <a:txBody>
-                    <a:bodyPr/>
-                    <a:lstStyle/>
-                    <a:p>
-                      <a:pPr rtl="1"/>
-                      <a:endParaRPr lang="he-IL"/>
-                    </a:p>
-                  </a:txBody>
-                  <a:tcPr/>
-                </a:tc>
-                <a:tc>
-                  <a:txBody>
-                    <a:bodyPr/>
-                    <a:lstStyle/>
-                    <a:p>
-                      <a:pPr rtl="1"/>
-                      <a:endParaRPr lang="he-IL"/>
-                    </a:p>
-                  </a:txBody>
-                  <a:tcPr/>
-                </a:tc>
-                <a:tc>
-                  <a:txBody>
-                    <a:bodyPr/>
-                    <a:lstStyle/>
-                    <a:p>
-                      <a:pPr rtl="1"/>
-                      <a:endParaRPr lang="he-IL"/>
-                    </a:p>
-                  </a:txBody>
-                  <a:tcPr/>
-                </a:tc>
-                <a:tc>
-                  <a:txBody>
-                    <a:bodyPr/>
-                    <a:lstStyle/>
-                    <a:p>
-                      <a:pPr rtl="1"/>
-                      <a:endParaRPr lang="he-IL" dirty="0"/>
-                    </a:p>
-                  </a:txBody>
-                  <a:tcPr/>
-                </a:tc>
-                <a:tc>
-                  <a:txBody>
-                    <a:bodyPr/>
-                    <a:lstStyle/>
-                    <a:p>
-                      <a:pPr rtl="1"/>
+                      <a:r>
+                        <a:rPr lang="en-US" dirty="0"/>
+                        <a:t>Back-end site</a:t>
+                      </a:r>
                       <a:endParaRPr lang="he-IL" dirty="0"/>
                     </a:p>
                   </a:txBody>
@@ -4472,6 +4193,72 @@
 </file>
 
 <file path=ppt/slides/slide4.xml><?xml version="1.0" encoding="utf-8"?>
+<p:sld xmlns:a="http://schemas.openxmlformats.org/drawingml/2006/main" xmlns:r="http://schemas.openxmlformats.org/officeDocument/2006/relationships" xmlns:p="http://schemas.openxmlformats.org/presentationml/2006/main">
+  <p:cSld>
+    <p:spTree>
+      <p:nvGrpSpPr>
+        <p:cNvPr id="1" name=""/>
+        <p:cNvGrpSpPr/>
+        <p:nvPr/>
+      </p:nvGrpSpPr>
+      <p:grpSpPr>
+        <a:xfrm>
+          <a:off x="0" y="0"/>
+          <a:ext cx="0" cy="0"/>
+          <a:chOff x="0" y="0"/>
+          <a:chExt cx="0" cy="0"/>
+        </a:xfrm>
+      </p:grpSpPr>
+      <p:pic>
+        <p:nvPicPr>
+          <p:cNvPr id="5" name="תמונה 4">
+            <a:extLst>
+              <a:ext uri="{FF2B5EF4-FFF2-40B4-BE49-F238E27FC236}">
+                <a16:creationId xmlns:a16="http://schemas.microsoft.com/office/drawing/2014/main" id="{78AF8DCD-6C19-4F4F-B1A2-55328E1BF88B}"/>
+              </a:ext>
+            </a:extLst>
+          </p:cNvPr>
+          <p:cNvPicPr>
+            <a:picLocks noChangeAspect="1"/>
+          </p:cNvPicPr>
+          <p:nvPr/>
+        </p:nvPicPr>
+        <p:blipFill>
+          <a:blip r:embed="rId2">
+            <a:extLst>
+              <a:ext uri="{28A0092B-C50C-407E-A947-70E740481C1C}">
+                <a14:useLocalDpi xmlns:a14="http://schemas.microsoft.com/office/drawing/2010/main" val="0"/>
+              </a:ext>
+            </a:extLst>
+          </a:blip>
+          <a:stretch>
+            <a:fillRect/>
+          </a:stretch>
+        </p:blipFill>
+        <p:spPr>
+          <a:xfrm>
+            <a:off x="1686758" y="62144"/>
+            <a:ext cx="8593584" cy="6720396"/>
+          </a:xfrm>
+          <a:prstGeom prst="rect">
+            <a:avLst/>
+          </a:prstGeom>
+        </p:spPr>
+      </p:pic>
+    </p:spTree>
+    <p:extLst>
+      <p:ext uri="{BB962C8B-B14F-4D97-AF65-F5344CB8AC3E}">
+        <p14:creationId xmlns:p14="http://schemas.microsoft.com/office/powerpoint/2010/main" val="2993581452"/>
+      </p:ext>
+    </p:extLst>
+  </p:cSld>
+  <p:clrMapOvr>
+    <a:masterClrMapping/>
+  </p:clrMapOvr>
+</p:sld>
+</file>
+
+<file path=ppt/slides/slide5.xml><?xml version="1.0" encoding="utf-8"?>
 <p:sld xmlns:a="http://schemas.openxmlformats.org/drawingml/2006/main" xmlns:r="http://schemas.openxmlformats.org/officeDocument/2006/relationships" xmlns:p="http://schemas.openxmlformats.org/presentationml/2006/main">
   <p:cSld>
     <p:spTree>
